--- a/cohort retention & rfm analysis.pptx
+++ b/cohort retention & rfm analysis.pptx
@@ -8519,7 +8519,7 @@
         <p:spPr>
           <a:xfrm>
             <a:off x="685801" y="1943636"/>
-            <a:ext cx="8153399" cy="6247864"/>
+            <a:ext cx="8153399" cy="5878532"/>
           </a:xfrm>
           <a:prstGeom prst="rect">
             <a:avLst/>
@@ -8556,16 +8556,6 @@
               </a:rPr>
             </a:br>
             <a:r>
-              <a:rPr lang="en-US" sz="2400" b="1" dirty="0">
-                <a:solidFill>
-                  <a:schemeClr val="tx1"/>
-                </a:solidFill>
-                <a:latin typeface="Cambria Math" panose="02040503050406030204" pitchFamily="18" charset="0"/>
-                <a:ea typeface="Cambria Math" panose="02040503050406030204" pitchFamily="18" charset="0"/>
-              </a:rPr>
-              <a:t>Problem: </a:t>
-            </a:r>
-            <a:r>
               <a:rPr lang="en-US" sz="2400" dirty="0">
                 <a:solidFill>
                   <a:schemeClr val="tx1"/>
@@ -8584,16 +8574,6 @@
                 <a:ea typeface="Cambria Math" panose="02040503050406030204" pitchFamily="18" charset="0"/>
               </a:rPr>
             </a:br>
-            <a:r>
-              <a:rPr lang="en-US" sz="2400" b="1" dirty="0">
-                <a:solidFill>
-                  <a:schemeClr val="tx1"/>
-                </a:solidFill>
-                <a:latin typeface="Cambria Math" panose="02040503050406030204" pitchFamily="18" charset="0"/>
-                <a:ea typeface="Cambria Math" panose="02040503050406030204" pitchFamily="18" charset="0"/>
-              </a:rPr>
-              <a:t>Root Cause: </a:t>
-            </a:r>
             <a:r>
               <a:rPr lang="en-US" sz="2400" dirty="0">
                 <a:solidFill>
@@ -8792,16 +8772,6 @@
               </a:rPr>
             </a:br>
             <a:r>
-              <a:rPr lang="en-US" sz="2400" b="1" dirty="0">
-                <a:solidFill>
-                  <a:schemeClr val="tx1"/>
-                </a:solidFill>
-                <a:latin typeface="Cambria Math" panose="02040503050406030204" pitchFamily="18" charset="0"/>
-                <a:ea typeface="Cambria Math" panose="02040503050406030204" pitchFamily="18" charset="0"/>
-              </a:rPr>
-              <a:t>Problem: </a:t>
-            </a:r>
-            <a:r>
               <a:rPr lang="en-US" sz="2400" dirty="0">
                 <a:solidFill>
                   <a:schemeClr val="tx1"/>
@@ -8809,7 +8779,7 @@
                 <a:latin typeface="Cambria Math" panose="02040503050406030204" pitchFamily="18" charset="0"/>
                 <a:ea typeface="Cambria Math" panose="02040503050406030204" pitchFamily="18" charset="0"/>
               </a:rPr>
-              <a:t>Too few customers develop into champions despite their high value</a:t>
+              <a:t>Too few customers develop into champions despite their high value.</a:t>
             </a:r>
             <a:br>
               <a:rPr lang="en-US" sz="2400" dirty="0">
@@ -8820,16 +8790,6 @@
                 <a:ea typeface="Cambria Math" panose="02040503050406030204" pitchFamily="18" charset="0"/>
               </a:rPr>
             </a:br>
-            <a:r>
-              <a:rPr lang="en-US" sz="2400" b="1" dirty="0">
-                <a:solidFill>
-                  <a:schemeClr val="tx1"/>
-                </a:solidFill>
-                <a:latin typeface="Cambria Math" panose="02040503050406030204" pitchFamily="18" charset="0"/>
-                <a:ea typeface="Cambria Math" panose="02040503050406030204" pitchFamily="18" charset="0"/>
-              </a:rPr>
-              <a:t>Root Cause: </a:t>
-            </a:r>
             <a:r>
               <a:rPr lang="en-US" sz="2400" dirty="0">
                 <a:solidFill>
@@ -9636,16 +9596,6 @@
               </a:rPr>
             </a:br>
             <a:r>
-              <a:rPr lang="en-US" sz="2400" b="1" dirty="0">
-                <a:solidFill>
-                  <a:schemeClr val="tx1"/>
-                </a:solidFill>
-                <a:latin typeface="Cambria Math" panose="02040503050406030204" pitchFamily="18" charset="0"/>
-                <a:ea typeface="Cambria Math" panose="02040503050406030204" pitchFamily="18" charset="0"/>
-              </a:rPr>
-              <a:t>Problem: </a:t>
-            </a:r>
-            <a:r>
               <a:rPr lang="en-US" sz="2400" dirty="0">
                 <a:solidFill>
                   <a:schemeClr val="tx1"/>
@@ -9664,16 +9614,6 @@
                 <a:ea typeface="Cambria Math" panose="02040503050406030204" pitchFamily="18" charset="0"/>
               </a:rPr>
             </a:br>
-            <a:r>
-              <a:rPr lang="en-US" sz="2400" b="1" dirty="0">
-                <a:solidFill>
-                  <a:schemeClr val="tx1"/>
-                </a:solidFill>
-                <a:latin typeface="Cambria Math" panose="02040503050406030204" pitchFamily="18" charset="0"/>
-                <a:ea typeface="Cambria Math" panose="02040503050406030204" pitchFamily="18" charset="0"/>
-              </a:rPr>
-              <a:t>Root Cause: </a:t>
-            </a:r>
             <a:r>
               <a:rPr lang="en-US" sz="2400" dirty="0">
                 <a:solidFill>
@@ -9822,16 +9762,6 @@
               </a:rPr>
             </a:br>
             <a:r>
-              <a:rPr lang="en-US" sz="2400" b="1" dirty="0">
-                <a:solidFill>
-                  <a:schemeClr val="tx1"/>
-                </a:solidFill>
-                <a:latin typeface="Cambria Math" panose="02040503050406030204" pitchFamily="18" charset="0"/>
-                <a:ea typeface="Cambria Math" panose="02040503050406030204" pitchFamily="18" charset="0"/>
-              </a:rPr>
-              <a:t>Problem: </a:t>
-            </a:r>
-            <a:r>
               <a:rPr lang="en-US" sz="2400" dirty="0">
                 <a:solidFill>
                   <a:schemeClr val="tx1"/>
@@ -9850,16 +9780,6 @@
                 <a:ea typeface="Cambria Math" panose="02040503050406030204" pitchFamily="18" charset="0"/>
               </a:rPr>
             </a:br>
-            <a:r>
-              <a:rPr lang="en-US" sz="2400" b="1" dirty="0">
-                <a:solidFill>
-                  <a:schemeClr val="tx1"/>
-                </a:solidFill>
-                <a:latin typeface="Cambria Math" panose="02040503050406030204" pitchFamily="18" charset="0"/>
-                <a:ea typeface="Cambria Math" panose="02040503050406030204" pitchFamily="18" charset="0"/>
-              </a:rPr>
-              <a:t>Root Cause: </a:t>
-            </a:r>
             <a:r>
               <a:rPr lang="en-US" sz="2400" dirty="0">
                 <a:solidFill>
@@ -10831,16 +10751,6 @@
               </a:rPr>
             </a:br>
             <a:r>
-              <a:rPr lang="en-US" sz="2400" b="1" dirty="0">
-                <a:solidFill>
-                  <a:schemeClr val="tx1"/>
-                </a:solidFill>
-                <a:latin typeface="Cambria Math" panose="02040503050406030204" pitchFamily="18" charset="0"/>
-                <a:ea typeface="Cambria Math" panose="02040503050406030204" pitchFamily="18" charset="0"/>
-              </a:rPr>
-              <a:t>Problem: </a:t>
-            </a:r>
-            <a:r>
               <a:rPr lang="en-US" sz="2400" dirty="0">
                 <a:solidFill>
                   <a:schemeClr val="tx1"/>
@@ -10859,16 +10769,6 @@
                 <a:ea typeface="Cambria Math" panose="02040503050406030204" pitchFamily="18" charset="0"/>
               </a:rPr>
             </a:br>
-            <a:r>
-              <a:rPr lang="en-US" sz="2400" b="1" dirty="0">
-                <a:solidFill>
-                  <a:schemeClr val="tx1"/>
-                </a:solidFill>
-                <a:latin typeface="Cambria Math" panose="02040503050406030204" pitchFamily="18" charset="0"/>
-                <a:ea typeface="Cambria Math" panose="02040503050406030204" pitchFamily="18" charset="0"/>
-              </a:rPr>
-              <a:t>Root Cause: </a:t>
-            </a:r>
             <a:r>
               <a:rPr lang="en-US" sz="2400" dirty="0">
                 <a:solidFill>
@@ -21738,21 +21638,7 @@
                 <a:latin typeface="Arial Black"/>
                 <a:cs typeface="Arial Black"/>
               </a:rPr>
-              <a:t> (foundation of </a:t>
-            </a:r>
-            <a:r>
-              <a:rPr lang="en-US" sz="4100" spc="-395" dirty="0" err="1">
-                <a:latin typeface="Arial Black"/>
-                <a:cs typeface="Arial Black"/>
-              </a:rPr>
-              <a:t>RFMSegments</a:t>
-            </a:r>
-            <a:r>
-              <a:rPr lang="en-US" sz="4100" spc="-395" dirty="0">
-                <a:latin typeface="Arial Black"/>
-                <a:cs typeface="Arial Black"/>
-              </a:rPr>
-              <a:t>)</a:t>
+              <a:t> (start from here)</a:t>
             </a:r>
             <a:endParaRPr sz="4100" dirty="0">
               <a:latin typeface="Arial Black"/>
